--- a/HW1/HW1_計數器.pptx
+++ b/HW1/HW1_計數器.pptx
@@ -5,16 +5,17 @@
     <p:sldMasterId id="2147483648" r:id="rId1"/>
   </p:sldMasterIdLst>
   <p:notesMasterIdLst>
-    <p:notesMasterId r:id="rId6"/>
+    <p:notesMasterId r:id="rId7"/>
   </p:notesMasterIdLst>
   <p:handoutMasterIdLst>
-    <p:handoutMasterId r:id="rId7"/>
+    <p:handoutMasterId r:id="rId8"/>
   </p:handoutMasterIdLst>
   <p:sldIdLst>
     <p:sldId id="259" r:id="rId2"/>
     <p:sldId id="261" r:id="rId3"/>
     <p:sldId id="262" r:id="rId4"/>
-    <p:sldId id="263" r:id="rId5"/>
+    <p:sldId id="264" r:id="rId5"/>
+    <p:sldId id="263" r:id="rId6"/>
   </p:sldIdLst>
   <p:sldSz cx="12192000" cy="6858000"/>
   <p:notesSz cx="6858000" cy="9144000"/>
@@ -125,6 +126,7 @@
           <p14:sldIdLst>
             <p14:sldId id="261"/>
             <p14:sldId id="262"/>
+            <p14:sldId id="264"/>
             <p14:sldId id="263"/>
           </p14:sldIdLst>
         </p14:section>
@@ -163,6 +165,312 @@
 <file path=ppt/changesInfos/changesInfo1.xml><?xml version="1.0" encoding="utf-8"?>
 <pc:chgInfo xmlns:a="http://schemas.openxmlformats.org/drawingml/2006/main" xmlns:r="http://schemas.openxmlformats.org/officeDocument/2006/relationships" xmlns:ac="http://schemas.microsoft.com/office/drawing/2013/main/command" xmlns:pc="http://schemas.microsoft.com/office/powerpoint/2013/main/command">
   <pc:docChgLst>
+    <pc:chgData name="逸宏" userId="5b6125eb5a4ed5ea" providerId="LiveId" clId="{7391B239-8599-48C3-BB09-833E78728B6B}"/>
+    <pc:docChg chg="undo custSel addSld delSld modSld delSection modSection">
+      <pc:chgData name="逸宏" userId="5b6125eb5a4ed5ea" providerId="LiveId" clId="{7391B239-8599-48C3-BB09-833E78728B6B}" dt="2024-10-11T05:09:17.715" v="1353" actId="20577"/>
+      <pc:docMkLst>
+        <pc:docMk/>
+      </pc:docMkLst>
+      <pc:sldChg chg="addSp delSp modSp mod">
+        <pc:chgData name="逸宏" userId="5b6125eb5a4ed5ea" providerId="LiveId" clId="{7391B239-8599-48C3-BB09-833E78728B6B}" dt="2024-10-11T00:31:41.003" v="38" actId="1076"/>
+        <pc:sldMkLst>
+          <pc:docMk/>
+          <pc:sldMk cId="4056936614" sldId="259"/>
+        </pc:sldMkLst>
+        <pc:spChg chg="mod">
+          <ac:chgData name="逸宏" userId="5b6125eb5a4ed5ea" providerId="LiveId" clId="{7391B239-8599-48C3-BB09-833E78728B6B}" dt="2024-10-11T00:31:41.003" v="38" actId="1076"/>
+          <ac:spMkLst>
+            <pc:docMk/>
+            <pc:sldMk cId="4056936614" sldId="259"/>
+            <ac:spMk id="2" creationId="{00000000-0000-0000-0000-000000000000}"/>
+          </ac:spMkLst>
+        </pc:spChg>
+        <pc:spChg chg="del mod">
+          <ac:chgData name="逸宏" userId="5b6125eb5a4ed5ea" providerId="LiveId" clId="{7391B239-8599-48C3-BB09-833E78728B6B}" dt="2024-10-11T00:31:33.663" v="36" actId="478"/>
+          <ac:spMkLst>
+            <pc:docMk/>
+            <pc:sldMk cId="4056936614" sldId="259"/>
+            <ac:spMk id="3" creationId="{00000000-0000-0000-0000-000000000000}"/>
+          </ac:spMkLst>
+        </pc:spChg>
+        <pc:spChg chg="add del mod">
+          <ac:chgData name="逸宏" userId="5b6125eb5a4ed5ea" providerId="LiveId" clId="{7391B239-8599-48C3-BB09-833E78728B6B}" dt="2024-10-11T00:31:35.818" v="37" actId="478"/>
+          <ac:spMkLst>
+            <pc:docMk/>
+            <pc:sldMk cId="4056936614" sldId="259"/>
+            <ac:spMk id="7" creationId="{A83A9B7F-25F0-4F7C-B612-8F61454CDC4E}"/>
+          </ac:spMkLst>
+        </pc:spChg>
+      </pc:sldChg>
+      <pc:sldChg chg="new del">
+        <pc:chgData name="逸宏" userId="5b6125eb5a4ed5ea" providerId="LiveId" clId="{7391B239-8599-48C3-BB09-833E78728B6B}" dt="2024-10-11T00:32:02.577" v="44" actId="47"/>
+        <pc:sldMkLst>
+          <pc:docMk/>
+          <pc:sldMk cId="2828139886" sldId="260"/>
+        </pc:sldMkLst>
+      </pc:sldChg>
+      <pc:sldChg chg="new del">
+        <pc:chgData name="逸宏" userId="5b6125eb5a4ed5ea" providerId="LiveId" clId="{7391B239-8599-48C3-BB09-833E78728B6B}" dt="2024-10-11T00:31:48.735" v="40" actId="47"/>
+        <pc:sldMkLst>
+          <pc:docMk/>
+          <pc:sldMk cId="3003227996" sldId="260"/>
+        </pc:sldMkLst>
+      </pc:sldChg>
+      <pc:sldChg chg="addSp modSp new mod">
+        <pc:chgData name="逸宏" userId="5b6125eb5a4ed5ea" providerId="LiveId" clId="{7391B239-8599-48C3-BB09-833E78728B6B}" dt="2024-10-11T00:56:42.601" v="782" actId="20577"/>
+        <pc:sldMkLst>
+          <pc:docMk/>
+          <pc:sldMk cId="116614201" sldId="261"/>
+        </pc:sldMkLst>
+        <pc:spChg chg="mod">
+          <ac:chgData name="逸宏" userId="5b6125eb5a4ed5ea" providerId="LiveId" clId="{7391B239-8599-48C3-BB09-833E78728B6B}" dt="2024-10-11T00:34:52.743" v="333" actId="5793"/>
+          <ac:spMkLst>
+            <pc:docMk/>
+            <pc:sldMk cId="116614201" sldId="261"/>
+            <ac:spMk id="2" creationId="{A8D5252B-774B-4973-B634-0D8DC8018DA3}"/>
+          </ac:spMkLst>
+        </pc:spChg>
+        <pc:spChg chg="mod">
+          <ac:chgData name="逸宏" userId="5b6125eb5a4ed5ea" providerId="LiveId" clId="{7391B239-8599-48C3-BB09-833E78728B6B}" dt="2024-10-11T00:32:23.550" v="75" actId="20577"/>
+          <ac:spMkLst>
+            <pc:docMk/>
+            <pc:sldMk cId="116614201" sldId="261"/>
+            <ac:spMk id="3" creationId="{02B4B098-4240-4DB0-B86C-6F45220B1B04}"/>
+          </ac:spMkLst>
+        </pc:spChg>
+        <pc:spChg chg="add mod">
+          <ac:chgData name="逸宏" userId="5b6125eb5a4ed5ea" providerId="LiveId" clId="{7391B239-8599-48C3-BB09-833E78728B6B}" dt="2024-10-11T00:56:42.601" v="782" actId="20577"/>
+          <ac:spMkLst>
+            <pc:docMk/>
+            <pc:sldMk cId="116614201" sldId="261"/>
+            <ac:spMk id="6" creationId="{C5DD47FB-4DE3-4170-8DCB-14C99F3A78CF}"/>
+          </ac:spMkLst>
+        </pc:spChg>
+        <pc:picChg chg="add mod">
+          <ac:chgData name="逸宏" userId="5b6125eb5a4ed5ea" providerId="LiveId" clId="{7391B239-8599-48C3-BB09-833E78728B6B}" dt="2024-10-11T00:50:38.233" v="335" actId="1076"/>
+          <ac:picMkLst>
+            <pc:docMk/>
+            <pc:sldMk cId="116614201" sldId="261"/>
+            <ac:picMk id="5" creationId="{C655428E-73CE-40D6-99D9-CF2ACF166DC1}"/>
+          </ac:picMkLst>
+        </pc:picChg>
+      </pc:sldChg>
+      <pc:sldChg chg="addSp delSp modSp new mod">
+        <pc:chgData name="逸宏" userId="5b6125eb5a4ed5ea" providerId="LiveId" clId="{7391B239-8599-48C3-BB09-833E78728B6B}" dt="2024-10-11T04:59:35.150" v="1113" actId="208"/>
+        <pc:sldMkLst>
+          <pc:docMk/>
+          <pc:sldMk cId="2622372340" sldId="262"/>
+        </pc:sldMkLst>
+        <pc:spChg chg="del">
+          <ac:chgData name="逸宏" userId="5b6125eb5a4ed5ea" providerId="LiveId" clId="{7391B239-8599-48C3-BB09-833E78728B6B}" dt="2024-10-11T00:57:40.477" v="784" actId="931"/>
+          <ac:spMkLst>
+            <pc:docMk/>
+            <pc:sldMk cId="2622372340" sldId="262"/>
+            <ac:spMk id="2" creationId="{C40A112F-015F-4CC7-A022-F83F95DD9356}"/>
+          </ac:spMkLst>
+        </pc:spChg>
+        <pc:spChg chg="add mod">
+          <ac:chgData name="逸宏" userId="5b6125eb5a4ed5ea" providerId="LiveId" clId="{7391B239-8599-48C3-BB09-833E78728B6B}" dt="2024-10-11T04:56:41.502" v="925" actId="14100"/>
+          <ac:spMkLst>
+            <pc:docMk/>
+            <pc:sldMk cId="2622372340" sldId="262"/>
+            <ac:spMk id="2" creationId="{DFDF4122-026C-4CAE-A79C-6D676DF1BA05}"/>
+          </ac:spMkLst>
+        </pc:spChg>
+        <pc:spChg chg="mod">
+          <ac:chgData name="逸宏" userId="5b6125eb5a4ed5ea" providerId="LiveId" clId="{7391B239-8599-48C3-BB09-833E78728B6B}" dt="2024-10-11T00:57:28.169" v="783"/>
+          <ac:spMkLst>
+            <pc:docMk/>
+            <pc:sldMk cId="2622372340" sldId="262"/>
+            <ac:spMk id="3" creationId="{53741D69-AC9F-48CB-98D6-DE6E83B02C43}"/>
+          </ac:spMkLst>
+        </pc:spChg>
+        <pc:spChg chg="add mod">
+          <ac:chgData name="逸宏" userId="5b6125eb5a4ed5ea" providerId="LiveId" clId="{7391B239-8599-48C3-BB09-833E78728B6B}" dt="2024-10-11T04:58:52.859" v="1103" actId="20577"/>
+          <ac:spMkLst>
+            <pc:docMk/>
+            <pc:sldMk cId="2622372340" sldId="262"/>
+            <ac:spMk id="4" creationId="{1F38472E-A285-4E9B-AE6E-BF313B4D58C3}"/>
+          </ac:spMkLst>
+        </pc:spChg>
+        <pc:spChg chg="add mod">
+          <ac:chgData name="逸宏" userId="5b6125eb5a4ed5ea" providerId="LiveId" clId="{7391B239-8599-48C3-BB09-833E78728B6B}" dt="2024-10-11T04:56:52.922" v="929" actId="1076"/>
+          <ac:spMkLst>
+            <pc:docMk/>
+            <pc:sldMk cId="2622372340" sldId="262"/>
+            <ac:spMk id="6" creationId="{4B2E6B76-2EF0-46D7-9249-5F36A198AE53}"/>
+          </ac:spMkLst>
+        </pc:spChg>
+        <pc:spChg chg="add mod">
+          <ac:chgData name="逸宏" userId="5b6125eb5a4ed5ea" providerId="LiveId" clId="{7391B239-8599-48C3-BB09-833E78728B6B}" dt="2024-10-11T04:59:32.999" v="1112" actId="208"/>
+          <ac:spMkLst>
+            <pc:docMk/>
+            <pc:sldMk cId="2622372340" sldId="262"/>
+            <ac:spMk id="7" creationId="{52B72545-5489-49E7-8499-B289E0EB6A6F}"/>
+          </ac:spMkLst>
+        </pc:spChg>
+        <pc:spChg chg="add mod">
+          <ac:chgData name="逸宏" userId="5b6125eb5a4ed5ea" providerId="LiveId" clId="{7391B239-8599-48C3-BB09-833E78728B6B}" dt="2024-10-11T04:59:35.150" v="1113" actId="208"/>
+          <ac:spMkLst>
+            <pc:docMk/>
+            <pc:sldMk cId="2622372340" sldId="262"/>
+            <ac:spMk id="8" creationId="{875B16C5-4891-4BD6-A70F-9558AFAFA937}"/>
+          </ac:spMkLst>
+        </pc:spChg>
+        <pc:picChg chg="add mod">
+          <ac:chgData name="逸宏" userId="5b6125eb5a4ed5ea" providerId="LiveId" clId="{7391B239-8599-48C3-BB09-833E78728B6B}" dt="2024-10-11T04:56:46.623" v="928" actId="1076"/>
+          <ac:picMkLst>
+            <pc:docMk/>
+            <pc:sldMk cId="2622372340" sldId="262"/>
+            <ac:picMk id="5" creationId="{AE565093-7BA9-4EEF-9DB1-17470902AAE9}"/>
+          </ac:picMkLst>
+        </pc:picChg>
+      </pc:sldChg>
+      <pc:sldChg chg="addSp delSp modSp new mod">
+        <pc:chgData name="逸宏" userId="5b6125eb5a4ed5ea" providerId="LiveId" clId="{7391B239-8599-48C3-BB09-833E78728B6B}" dt="2024-10-11T05:09:17.715" v="1353" actId="20577"/>
+        <pc:sldMkLst>
+          <pc:docMk/>
+          <pc:sldMk cId="1680705993" sldId="263"/>
+        </pc:sldMkLst>
+        <pc:spChg chg="del">
+          <ac:chgData name="逸宏" userId="5b6125eb5a4ed5ea" providerId="LiveId" clId="{7391B239-8599-48C3-BB09-833E78728B6B}" dt="2024-10-11T05:03:39.205" v="1121"/>
+          <ac:spMkLst>
+            <pc:docMk/>
+            <pc:sldMk cId="1680705993" sldId="263"/>
+            <ac:spMk id="2" creationId="{830D6388-64E8-4ED4-A301-A93D1ABE077B}"/>
+          </ac:spMkLst>
+        </pc:spChg>
+        <pc:spChg chg="mod">
+          <ac:chgData name="逸宏" userId="5b6125eb5a4ed5ea" providerId="LiveId" clId="{7391B239-8599-48C3-BB09-833E78728B6B}" dt="2024-10-11T05:09:17.715" v="1353" actId="20577"/>
+          <ac:spMkLst>
+            <pc:docMk/>
+            <pc:sldMk cId="1680705993" sldId="263"/>
+            <ac:spMk id="3" creationId="{9013C502-9CDD-4C26-8A0D-64E19F8B5992}"/>
+          </ac:spMkLst>
+        </pc:spChg>
+        <pc:spChg chg="add del mod">
+          <ac:chgData name="逸宏" userId="5b6125eb5a4ed5ea" providerId="LiveId" clId="{7391B239-8599-48C3-BB09-833E78728B6B}" dt="2024-10-11T05:03:47.637" v="1126" actId="478"/>
+          <ac:spMkLst>
+            <pc:docMk/>
+            <pc:sldMk cId="1680705993" sldId="263"/>
+            <ac:spMk id="6" creationId="{1A7A0655-2156-4A7F-BE3E-990B2A40CD93}"/>
+          </ac:spMkLst>
+        </pc:spChg>
+        <pc:spChg chg="add mod">
+          <ac:chgData name="逸宏" userId="5b6125eb5a4ed5ea" providerId="LiveId" clId="{7391B239-8599-48C3-BB09-833E78728B6B}" dt="2024-10-11T05:06:29.112" v="1184" actId="1076"/>
+          <ac:spMkLst>
+            <pc:docMk/>
+            <pc:sldMk cId="1680705993" sldId="263"/>
+            <ac:spMk id="7" creationId="{7C3ED969-33AD-4DD5-B324-984A3D0C56F8}"/>
+          </ac:spMkLst>
+        </pc:spChg>
+        <pc:spChg chg="add mod">
+          <ac:chgData name="逸宏" userId="5b6125eb5a4ed5ea" providerId="LiveId" clId="{7391B239-8599-48C3-BB09-833E78728B6B}" dt="2024-10-11T05:06:29.112" v="1184" actId="1076"/>
+          <ac:spMkLst>
+            <pc:docMk/>
+            <pc:sldMk cId="1680705993" sldId="263"/>
+            <ac:spMk id="8" creationId="{2CF8C7B2-699F-4F10-9356-C393F84EB95B}"/>
+          </ac:spMkLst>
+        </pc:spChg>
+        <pc:spChg chg="add mod">
+          <ac:chgData name="逸宏" userId="5b6125eb5a4ed5ea" providerId="LiveId" clId="{7391B239-8599-48C3-BB09-833E78728B6B}" dt="2024-10-11T05:06:29.112" v="1184" actId="1076"/>
+          <ac:spMkLst>
+            <pc:docMk/>
+            <pc:sldMk cId="1680705993" sldId="263"/>
+            <ac:spMk id="9" creationId="{5721E820-8B4A-4BBF-8643-13DD122F151E}"/>
+          </ac:spMkLst>
+        </pc:spChg>
+        <pc:spChg chg="add mod">
+          <ac:chgData name="逸宏" userId="5b6125eb5a4ed5ea" providerId="LiveId" clId="{7391B239-8599-48C3-BB09-833E78728B6B}" dt="2024-10-11T05:06:29.112" v="1184" actId="1076"/>
+          <ac:spMkLst>
+            <pc:docMk/>
+            <pc:sldMk cId="1680705993" sldId="263"/>
+            <ac:spMk id="10" creationId="{22872452-9D30-4D5F-A860-9D413245BCD6}"/>
+          </ac:spMkLst>
+        </pc:spChg>
+        <pc:spChg chg="add mod">
+          <ac:chgData name="逸宏" userId="5b6125eb5a4ed5ea" providerId="LiveId" clId="{7391B239-8599-48C3-BB09-833E78728B6B}" dt="2024-10-11T05:06:29.112" v="1184" actId="1076"/>
+          <ac:spMkLst>
+            <pc:docMk/>
+            <pc:sldMk cId="1680705993" sldId="263"/>
+            <ac:spMk id="11" creationId="{050A2CAD-AC55-4AC3-A3B4-C32A3B40E787}"/>
+          </ac:spMkLst>
+        </pc:spChg>
+        <pc:spChg chg="add mod">
+          <ac:chgData name="逸宏" userId="5b6125eb5a4ed5ea" providerId="LiveId" clId="{7391B239-8599-48C3-BB09-833E78728B6B}" dt="2024-10-11T05:06:29.112" v="1184" actId="1076"/>
+          <ac:spMkLst>
+            <pc:docMk/>
+            <pc:sldMk cId="1680705993" sldId="263"/>
+            <ac:spMk id="12" creationId="{19A1BDAA-FA4F-46BC-99AD-458C82C5C7E8}"/>
+          </ac:spMkLst>
+        </pc:spChg>
+        <pc:spChg chg="add mod">
+          <ac:chgData name="逸宏" userId="5b6125eb5a4ed5ea" providerId="LiveId" clId="{7391B239-8599-48C3-BB09-833E78728B6B}" dt="2024-10-11T05:06:29.112" v="1184" actId="1076"/>
+          <ac:spMkLst>
+            <pc:docMk/>
+            <pc:sldMk cId="1680705993" sldId="263"/>
+            <ac:spMk id="13" creationId="{AA137C58-2545-4FBB-8243-37AA2591EFFF}"/>
+          </ac:spMkLst>
+        </pc:spChg>
+        <pc:spChg chg="add mod">
+          <ac:chgData name="逸宏" userId="5b6125eb5a4ed5ea" providerId="LiveId" clId="{7391B239-8599-48C3-BB09-833E78728B6B}" dt="2024-10-11T05:06:29.112" v="1184" actId="1076"/>
+          <ac:spMkLst>
+            <pc:docMk/>
+            <pc:sldMk cId="1680705993" sldId="263"/>
+            <ac:spMk id="14" creationId="{A84C5550-2D7E-406A-89A9-455CE298DFDD}"/>
+          </ac:spMkLst>
+        </pc:spChg>
+        <pc:spChg chg="add mod">
+          <ac:chgData name="逸宏" userId="5b6125eb5a4ed5ea" providerId="LiveId" clId="{7391B239-8599-48C3-BB09-833E78728B6B}" dt="2024-10-11T05:06:29.112" v="1184" actId="1076"/>
+          <ac:spMkLst>
+            <pc:docMk/>
+            <pc:sldMk cId="1680705993" sldId="263"/>
+            <ac:spMk id="15" creationId="{D36D0024-24F2-4E31-A040-ABB19D5E427A}"/>
+          </ac:spMkLst>
+        </pc:spChg>
+        <pc:spChg chg="add del mod">
+          <ac:chgData name="逸宏" userId="5b6125eb5a4ed5ea" providerId="LiveId" clId="{7391B239-8599-48C3-BB09-833E78728B6B}" dt="2024-10-11T05:06:29.112" v="1184" actId="1076"/>
+          <ac:spMkLst>
+            <pc:docMk/>
+            <pc:sldMk cId="1680705993" sldId="263"/>
+            <ac:spMk id="16" creationId="{E4735CEE-10C4-411A-B272-6075E7973DA5}"/>
+          </ac:spMkLst>
+        </pc:spChg>
+        <pc:spChg chg="add mod">
+          <ac:chgData name="逸宏" userId="5b6125eb5a4ed5ea" providerId="LiveId" clId="{7391B239-8599-48C3-BB09-833E78728B6B}" dt="2024-10-11T05:09:01.097" v="1340" actId="14100"/>
+          <ac:spMkLst>
+            <pc:docMk/>
+            <pc:sldMk cId="1680705993" sldId="263"/>
+            <ac:spMk id="17" creationId="{7D0C38A6-9C7F-4753-B7AD-DC15BA4F05A5}"/>
+          </ac:spMkLst>
+        </pc:spChg>
+        <pc:picChg chg="add mod">
+          <ac:chgData name="逸宏" userId="5b6125eb5a4ed5ea" providerId="LiveId" clId="{7391B239-8599-48C3-BB09-833E78728B6B}" dt="2024-10-11T05:06:29.112" v="1184" actId="1076"/>
+          <ac:picMkLst>
+            <pc:docMk/>
+            <pc:sldMk cId="1680705993" sldId="263"/>
+            <ac:picMk id="5" creationId="{C7DAFCD4-749A-4E2A-A4A3-958A5A48DB27}"/>
+          </ac:picMkLst>
+        </pc:picChg>
+      </pc:sldChg>
+      <pc:sldChg chg="modSp new del mod">
+        <pc:chgData name="逸宏" userId="5b6125eb5a4ed5ea" providerId="LiveId" clId="{7391B239-8599-48C3-BB09-833E78728B6B}" dt="2024-10-11T05:08:26.971" v="1323" actId="47"/>
+        <pc:sldMkLst>
+          <pc:docMk/>
+          <pc:sldMk cId="4159144917" sldId="264"/>
+        </pc:sldMkLst>
+        <pc:spChg chg="mod">
+          <ac:chgData name="逸宏" userId="5b6125eb5a4ed5ea" providerId="LiveId" clId="{7391B239-8599-48C3-BB09-833E78728B6B}" dt="2024-10-11T00:59:14.631" v="818"/>
+          <ac:spMkLst>
+            <pc:docMk/>
+            <pc:sldMk cId="4159144917" sldId="264"/>
+            <ac:spMk id="3" creationId="{2BE73894-24E3-4D0E-8318-E5F47635030A}"/>
+          </ac:spMkLst>
+        </pc:spChg>
+      </pc:sldChg>
+    </pc:docChg>
+  </pc:docChgLst>
+  <pc:docChgLst>
     <pc:chgData name="逸宏" userId="5b6125eb5a4ed5ea" providerId="LiveId" clId="{2CFABAB1-FB9B-4B80-BD0B-4FB8076A484C}"/>
     <pc:docChg chg="undo custSel addSld delSld modSld modSection">
       <pc:chgData name="逸宏" userId="5b6125eb5a4ed5ea" providerId="LiveId" clId="{2CFABAB1-FB9B-4B80-BD0B-4FB8076A484C}" dt="2023-12-12T14:23:31.385" v="3170" actId="1076"/>
@@ -1267,312 +1575,6 @@
             <ac:picMk id="17" creationId="{9015138B-C35D-4B6C-8A3A-F983D3B3F15E}"/>
           </ac:picMkLst>
         </pc:picChg>
-      </pc:sldChg>
-    </pc:docChg>
-  </pc:docChgLst>
-  <pc:docChgLst>
-    <pc:chgData name="逸宏" userId="5b6125eb5a4ed5ea" providerId="LiveId" clId="{7391B239-8599-48C3-BB09-833E78728B6B}"/>
-    <pc:docChg chg="undo custSel addSld delSld modSld delSection modSection">
-      <pc:chgData name="逸宏" userId="5b6125eb5a4ed5ea" providerId="LiveId" clId="{7391B239-8599-48C3-BB09-833E78728B6B}" dt="2024-10-11T05:09:17.715" v="1353" actId="20577"/>
-      <pc:docMkLst>
-        <pc:docMk/>
-      </pc:docMkLst>
-      <pc:sldChg chg="addSp delSp modSp mod">
-        <pc:chgData name="逸宏" userId="5b6125eb5a4ed5ea" providerId="LiveId" clId="{7391B239-8599-48C3-BB09-833E78728B6B}" dt="2024-10-11T00:31:41.003" v="38" actId="1076"/>
-        <pc:sldMkLst>
-          <pc:docMk/>
-          <pc:sldMk cId="4056936614" sldId="259"/>
-        </pc:sldMkLst>
-        <pc:spChg chg="mod">
-          <ac:chgData name="逸宏" userId="5b6125eb5a4ed5ea" providerId="LiveId" clId="{7391B239-8599-48C3-BB09-833E78728B6B}" dt="2024-10-11T00:31:41.003" v="38" actId="1076"/>
-          <ac:spMkLst>
-            <pc:docMk/>
-            <pc:sldMk cId="4056936614" sldId="259"/>
-            <ac:spMk id="2" creationId="{00000000-0000-0000-0000-000000000000}"/>
-          </ac:spMkLst>
-        </pc:spChg>
-        <pc:spChg chg="del mod">
-          <ac:chgData name="逸宏" userId="5b6125eb5a4ed5ea" providerId="LiveId" clId="{7391B239-8599-48C3-BB09-833E78728B6B}" dt="2024-10-11T00:31:33.663" v="36" actId="478"/>
-          <ac:spMkLst>
-            <pc:docMk/>
-            <pc:sldMk cId="4056936614" sldId="259"/>
-            <ac:spMk id="3" creationId="{00000000-0000-0000-0000-000000000000}"/>
-          </ac:spMkLst>
-        </pc:spChg>
-        <pc:spChg chg="add del mod">
-          <ac:chgData name="逸宏" userId="5b6125eb5a4ed5ea" providerId="LiveId" clId="{7391B239-8599-48C3-BB09-833E78728B6B}" dt="2024-10-11T00:31:35.818" v="37" actId="478"/>
-          <ac:spMkLst>
-            <pc:docMk/>
-            <pc:sldMk cId="4056936614" sldId="259"/>
-            <ac:spMk id="7" creationId="{A83A9B7F-25F0-4F7C-B612-8F61454CDC4E}"/>
-          </ac:spMkLst>
-        </pc:spChg>
-      </pc:sldChg>
-      <pc:sldChg chg="new del">
-        <pc:chgData name="逸宏" userId="5b6125eb5a4ed5ea" providerId="LiveId" clId="{7391B239-8599-48C3-BB09-833E78728B6B}" dt="2024-10-11T00:32:02.577" v="44" actId="47"/>
-        <pc:sldMkLst>
-          <pc:docMk/>
-          <pc:sldMk cId="2828139886" sldId="260"/>
-        </pc:sldMkLst>
-      </pc:sldChg>
-      <pc:sldChg chg="new del">
-        <pc:chgData name="逸宏" userId="5b6125eb5a4ed5ea" providerId="LiveId" clId="{7391B239-8599-48C3-BB09-833E78728B6B}" dt="2024-10-11T00:31:48.735" v="40" actId="47"/>
-        <pc:sldMkLst>
-          <pc:docMk/>
-          <pc:sldMk cId="3003227996" sldId="260"/>
-        </pc:sldMkLst>
-      </pc:sldChg>
-      <pc:sldChg chg="addSp modSp new mod">
-        <pc:chgData name="逸宏" userId="5b6125eb5a4ed5ea" providerId="LiveId" clId="{7391B239-8599-48C3-BB09-833E78728B6B}" dt="2024-10-11T00:56:42.601" v="782" actId="20577"/>
-        <pc:sldMkLst>
-          <pc:docMk/>
-          <pc:sldMk cId="116614201" sldId="261"/>
-        </pc:sldMkLst>
-        <pc:spChg chg="mod">
-          <ac:chgData name="逸宏" userId="5b6125eb5a4ed5ea" providerId="LiveId" clId="{7391B239-8599-48C3-BB09-833E78728B6B}" dt="2024-10-11T00:34:52.743" v="333" actId="5793"/>
-          <ac:spMkLst>
-            <pc:docMk/>
-            <pc:sldMk cId="116614201" sldId="261"/>
-            <ac:spMk id="2" creationId="{A8D5252B-774B-4973-B634-0D8DC8018DA3}"/>
-          </ac:spMkLst>
-        </pc:spChg>
-        <pc:spChg chg="mod">
-          <ac:chgData name="逸宏" userId="5b6125eb5a4ed5ea" providerId="LiveId" clId="{7391B239-8599-48C3-BB09-833E78728B6B}" dt="2024-10-11T00:32:23.550" v="75" actId="20577"/>
-          <ac:spMkLst>
-            <pc:docMk/>
-            <pc:sldMk cId="116614201" sldId="261"/>
-            <ac:spMk id="3" creationId="{02B4B098-4240-4DB0-B86C-6F45220B1B04}"/>
-          </ac:spMkLst>
-        </pc:spChg>
-        <pc:spChg chg="add mod">
-          <ac:chgData name="逸宏" userId="5b6125eb5a4ed5ea" providerId="LiveId" clId="{7391B239-8599-48C3-BB09-833E78728B6B}" dt="2024-10-11T00:56:42.601" v="782" actId="20577"/>
-          <ac:spMkLst>
-            <pc:docMk/>
-            <pc:sldMk cId="116614201" sldId="261"/>
-            <ac:spMk id="6" creationId="{C5DD47FB-4DE3-4170-8DCB-14C99F3A78CF}"/>
-          </ac:spMkLst>
-        </pc:spChg>
-        <pc:picChg chg="add mod">
-          <ac:chgData name="逸宏" userId="5b6125eb5a4ed5ea" providerId="LiveId" clId="{7391B239-8599-48C3-BB09-833E78728B6B}" dt="2024-10-11T00:50:38.233" v="335" actId="1076"/>
-          <ac:picMkLst>
-            <pc:docMk/>
-            <pc:sldMk cId="116614201" sldId="261"/>
-            <ac:picMk id="5" creationId="{C655428E-73CE-40D6-99D9-CF2ACF166DC1}"/>
-          </ac:picMkLst>
-        </pc:picChg>
-      </pc:sldChg>
-      <pc:sldChg chg="addSp delSp modSp new mod">
-        <pc:chgData name="逸宏" userId="5b6125eb5a4ed5ea" providerId="LiveId" clId="{7391B239-8599-48C3-BB09-833E78728B6B}" dt="2024-10-11T04:59:35.150" v="1113" actId="208"/>
-        <pc:sldMkLst>
-          <pc:docMk/>
-          <pc:sldMk cId="2622372340" sldId="262"/>
-        </pc:sldMkLst>
-        <pc:spChg chg="del">
-          <ac:chgData name="逸宏" userId="5b6125eb5a4ed5ea" providerId="LiveId" clId="{7391B239-8599-48C3-BB09-833E78728B6B}" dt="2024-10-11T00:57:40.477" v="784" actId="931"/>
-          <ac:spMkLst>
-            <pc:docMk/>
-            <pc:sldMk cId="2622372340" sldId="262"/>
-            <ac:spMk id="2" creationId="{C40A112F-015F-4CC7-A022-F83F95DD9356}"/>
-          </ac:spMkLst>
-        </pc:spChg>
-        <pc:spChg chg="add mod">
-          <ac:chgData name="逸宏" userId="5b6125eb5a4ed5ea" providerId="LiveId" clId="{7391B239-8599-48C3-BB09-833E78728B6B}" dt="2024-10-11T04:56:41.502" v="925" actId="14100"/>
-          <ac:spMkLst>
-            <pc:docMk/>
-            <pc:sldMk cId="2622372340" sldId="262"/>
-            <ac:spMk id="2" creationId="{DFDF4122-026C-4CAE-A79C-6D676DF1BA05}"/>
-          </ac:spMkLst>
-        </pc:spChg>
-        <pc:spChg chg="mod">
-          <ac:chgData name="逸宏" userId="5b6125eb5a4ed5ea" providerId="LiveId" clId="{7391B239-8599-48C3-BB09-833E78728B6B}" dt="2024-10-11T00:57:28.169" v="783"/>
-          <ac:spMkLst>
-            <pc:docMk/>
-            <pc:sldMk cId="2622372340" sldId="262"/>
-            <ac:spMk id="3" creationId="{53741D69-AC9F-48CB-98D6-DE6E83B02C43}"/>
-          </ac:spMkLst>
-        </pc:spChg>
-        <pc:spChg chg="add mod">
-          <ac:chgData name="逸宏" userId="5b6125eb5a4ed5ea" providerId="LiveId" clId="{7391B239-8599-48C3-BB09-833E78728B6B}" dt="2024-10-11T04:58:52.859" v="1103" actId="20577"/>
-          <ac:spMkLst>
-            <pc:docMk/>
-            <pc:sldMk cId="2622372340" sldId="262"/>
-            <ac:spMk id="4" creationId="{1F38472E-A285-4E9B-AE6E-BF313B4D58C3}"/>
-          </ac:spMkLst>
-        </pc:spChg>
-        <pc:spChg chg="add mod">
-          <ac:chgData name="逸宏" userId="5b6125eb5a4ed5ea" providerId="LiveId" clId="{7391B239-8599-48C3-BB09-833E78728B6B}" dt="2024-10-11T04:56:52.922" v="929" actId="1076"/>
-          <ac:spMkLst>
-            <pc:docMk/>
-            <pc:sldMk cId="2622372340" sldId="262"/>
-            <ac:spMk id="6" creationId="{4B2E6B76-2EF0-46D7-9249-5F36A198AE53}"/>
-          </ac:spMkLst>
-        </pc:spChg>
-        <pc:spChg chg="add mod">
-          <ac:chgData name="逸宏" userId="5b6125eb5a4ed5ea" providerId="LiveId" clId="{7391B239-8599-48C3-BB09-833E78728B6B}" dt="2024-10-11T04:59:32.999" v="1112" actId="208"/>
-          <ac:spMkLst>
-            <pc:docMk/>
-            <pc:sldMk cId="2622372340" sldId="262"/>
-            <ac:spMk id="7" creationId="{52B72545-5489-49E7-8499-B289E0EB6A6F}"/>
-          </ac:spMkLst>
-        </pc:spChg>
-        <pc:spChg chg="add mod">
-          <ac:chgData name="逸宏" userId="5b6125eb5a4ed5ea" providerId="LiveId" clId="{7391B239-8599-48C3-BB09-833E78728B6B}" dt="2024-10-11T04:59:35.150" v="1113" actId="208"/>
-          <ac:spMkLst>
-            <pc:docMk/>
-            <pc:sldMk cId="2622372340" sldId="262"/>
-            <ac:spMk id="8" creationId="{875B16C5-4891-4BD6-A70F-9558AFAFA937}"/>
-          </ac:spMkLst>
-        </pc:spChg>
-        <pc:picChg chg="add mod">
-          <ac:chgData name="逸宏" userId="5b6125eb5a4ed5ea" providerId="LiveId" clId="{7391B239-8599-48C3-BB09-833E78728B6B}" dt="2024-10-11T04:56:46.623" v="928" actId="1076"/>
-          <ac:picMkLst>
-            <pc:docMk/>
-            <pc:sldMk cId="2622372340" sldId="262"/>
-            <ac:picMk id="5" creationId="{AE565093-7BA9-4EEF-9DB1-17470902AAE9}"/>
-          </ac:picMkLst>
-        </pc:picChg>
-      </pc:sldChg>
-      <pc:sldChg chg="addSp delSp modSp new mod">
-        <pc:chgData name="逸宏" userId="5b6125eb5a4ed5ea" providerId="LiveId" clId="{7391B239-8599-48C3-BB09-833E78728B6B}" dt="2024-10-11T05:09:17.715" v="1353" actId="20577"/>
-        <pc:sldMkLst>
-          <pc:docMk/>
-          <pc:sldMk cId="1680705993" sldId="263"/>
-        </pc:sldMkLst>
-        <pc:spChg chg="del">
-          <ac:chgData name="逸宏" userId="5b6125eb5a4ed5ea" providerId="LiveId" clId="{7391B239-8599-48C3-BB09-833E78728B6B}" dt="2024-10-11T05:03:39.205" v="1121"/>
-          <ac:spMkLst>
-            <pc:docMk/>
-            <pc:sldMk cId="1680705993" sldId="263"/>
-            <ac:spMk id="2" creationId="{830D6388-64E8-4ED4-A301-A93D1ABE077B}"/>
-          </ac:spMkLst>
-        </pc:spChg>
-        <pc:spChg chg="mod">
-          <ac:chgData name="逸宏" userId="5b6125eb5a4ed5ea" providerId="LiveId" clId="{7391B239-8599-48C3-BB09-833E78728B6B}" dt="2024-10-11T05:09:17.715" v="1353" actId="20577"/>
-          <ac:spMkLst>
-            <pc:docMk/>
-            <pc:sldMk cId="1680705993" sldId="263"/>
-            <ac:spMk id="3" creationId="{9013C502-9CDD-4C26-8A0D-64E19F8B5992}"/>
-          </ac:spMkLst>
-        </pc:spChg>
-        <pc:spChg chg="add del mod">
-          <ac:chgData name="逸宏" userId="5b6125eb5a4ed5ea" providerId="LiveId" clId="{7391B239-8599-48C3-BB09-833E78728B6B}" dt="2024-10-11T05:03:47.637" v="1126" actId="478"/>
-          <ac:spMkLst>
-            <pc:docMk/>
-            <pc:sldMk cId="1680705993" sldId="263"/>
-            <ac:spMk id="6" creationId="{1A7A0655-2156-4A7F-BE3E-990B2A40CD93}"/>
-          </ac:spMkLst>
-        </pc:spChg>
-        <pc:spChg chg="add mod">
-          <ac:chgData name="逸宏" userId="5b6125eb5a4ed5ea" providerId="LiveId" clId="{7391B239-8599-48C3-BB09-833E78728B6B}" dt="2024-10-11T05:06:29.112" v="1184" actId="1076"/>
-          <ac:spMkLst>
-            <pc:docMk/>
-            <pc:sldMk cId="1680705993" sldId="263"/>
-            <ac:spMk id="7" creationId="{7C3ED969-33AD-4DD5-B324-984A3D0C56F8}"/>
-          </ac:spMkLst>
-        </pc:spChg>
-        <pc:spChg chg="add mod">
-          <ac:chgData name="逸宏" userId="5b6125eb5a4ed5ea" providerId="LiveId" clId="{7391B239-8599-48C3-BB09-833E78728B6B}" dt="2024-10-11T05:06:29.112" v="1184" actId="1076"/>
-          <ac:spMkLst>
-            <pc:docMk/>
-            <pc:sldMk cId="1680705993" sldId="263"/>
-            <ac:spMk id="8" creationId="{2CF8C7B2-699F-4F10-9356-C393F84EB95B}"/>
-          </ac:spMkLst>
-        </pc:spChg>
-        <pc:spChg chg="add mod">
-          <ac:chgData name="逸宏" userId="5b6125eb5a4ed5ea" providerId="LiveId" clId="{7391B239-8599-48C3-BB09-833E78728B6B}" dt="2024-10-11T05:06:29.112" v="1184" actId="1076"/>
-          <ac:spMkLst>
-            <pc:docMk/>
-            <pc:sldMk cId="1680705993" sldId="263"/>
-            <ac:spMk id="9" creationId="{5721E820-8B4A-4BBF-8643-13DD122F151E}"/>
-          </ac:spMkLst>
-        </pc:spChg>
-        <pc:spChg chg="add mod">
-          <ac:chgData name="逸宏" userId="5b6125eb5a4ed5ea" providerId="LiveId" clId="{7391B239-8599-48C3-BB09-833E78728B6B}" dt="2024-10-11T05:06:29.112" v="1184" actId="1076"/>
-          <ac:spMkLst>
-            <pc:docMk/>
-            <pc:sldMk cId="1680705993" sldId="263"/>
-            <ac:spMk id="10" creationId="{22872452-9D30-4D5F-A860-9D413245BCD6}"/>
-          </ac:spMkLst>
-        </pc:spChg>
-        <pc:spChg chg="add mod">
-          <ac:chgData name="逸宏" userId="5b6125eb5a4ed5ea" providerId="LiveId" clId="{7391B239-8599-48C3-BB09-833E78728B6B}" dt="2024-10-11T05:06:29.112" v="1184" actId="1076"/>
-          <ac:spMkLst>
-            <pc:docMk/>
-            <pc:sldMk cId="1680705993" sldId="263"/>
-            <ac:spMk id="11" creationId="{050A2CAD-AC55-4AC3-A3B4-C32A3B40E787}"/>
-          </ac:spMkLst>
-        </pc:spChg>
-        <pc:spChg chg="add mod">
-          <ac:chgData name="逸宏" userId="5b6125eb5a4ed5ea" providerId="LiveId" clId="{7391B239-8599-48C3-BB09-833E78728B6B}" dt="2024-10-11T05:06:29.112" v="1184" actId="1076"/>
-          <ac:spMkLst>
-            <pc:docMk/>
-            <pc:sldMk cId="1680705993" sldId="263"/>
-            <ac:spMk id="12" creationId="{19A1BDAA-FA4F-46BC-99AD-458C82C5C7E8}"/>
-          </ac:spMkLst>
-        </pc:spChg>
-        <pc:spChg chg="add mod">
-          <ac:chgData name="逸宏" userId="5b6125eb5a4ed5ea" providerId="LiveId" clId="{7391B239-8599-48C3-BB09-833E78728B6B}" dt="2024-10-11T05:06:29.112" v="1184" actId="1076"/>
-          <ac:spMkLst>
-            <pc:docMk/>
-            <pc:sldMk cId="1680705993" sldId="263"/>
-            <ac:spMk id="13" creationId="{AA137C58-2545-4FBB-8243-37AA2591EFFF}"/>
-          </ac:spMkLst>
-        </pc:spChg>
-        <pc:spChg chg="add mod">
-          <ac:chgData name="逸宏" userId="5b6125eb5a4ed5ea" providerId="LiveId" clId="{7391B239-8599-48C3-BB09-833E78728B6B}" dt="2024-10-11T05:06:29.112" v="1184" actId="1076"/>
-          <ac:spMkLst>
-            <pc:docMk/>
-            <pc:sldMk cId="1680705993" sldId="263"/>
-            <ac:spMk id="14" creationId="{A84C5550-2D7E-406A-89A9-455CE298DFDD}"/>
-          </ac:spMkLst>
-        </pc:spChg>
-        <pc:spChg chg="add mod">
-          <ac:chgData name="逸宏" userId="5b6125eb5a4ed5ea" providerId="LiveId" clId="{7391B239-8599-48C3-BB09-833E78728B6B}" dt="2024-10-11T05:06:29.112" v="1184" actId="1076"/>
-          <ac:spMkLst>
-            <pc:docMk/>
-            <pc:sldMk cId="1680705993" sldId="263"/>
-            <ac:spMk id="15" creationId="{D36D0024-24F2-4E31-A040-ABB19D5E427A}"/>
-          </ac:spMkLst>
-        </pc:spChg>
-        <pc:spChg chg="add del mod">
-          <ac:chgData name="逸宏" userId="5b6125eb5a4ed5ea" providerId="LiveId" clId="{7391B239-8599-48C3-BB09-833E78728B6B}" dt="2024-10-11T05:06:29.112" v="1184" actId="1076"/>
-          <ac:spMkLst>
-            <pc:docMk/>
-            <pc:sldMk cId="1680705993" sldId="263"/>
-            <ac:spMk id="16" creationId="{E4735CEE-10C4-411A-B272-6075E7973DA5}"/>
-          </ac:spMkLst>
-        </pc:spChg>
-        <pc:spChg chg="add mod">
-          <ac:chgData name="逸宏" userId="5b6125eb5a4ed5ea" providerId="LiveId" clId="{7391B239-8599-48C3-BB09-833E78728B6B}" dt="2024-10-11T05:09:01.097" v="1340" actId="14100"/>
-          <ac:spMkLst>
-            <pc:docMk/>
-            <pc:sldMk cId="1680705993" sldId="263"/>
-            <ac:spMk id="17" creationId="{7D0C38A6-9C7F-4753-B7AD-DC15BA4F05A5}"/>
-          </ac:spMkLst>
-        </pc:spChg>
-        <pc:picChg chg="add mod">
-          <ac:chgData name="逸宏" userId="5b6125eb5a4ed5ea" providerId="LiveId" clId="{7391B239-8599-48C3-BB09-833E78728B6B}" dt="2024-10-11T05:06:29.112" v="1184" actId="1076"/>
-          <ac:picMkLst>
-            <pc:docMk/>
-            <pc:sldMk cId="1680705993" sldId="263"/>
-            <ac:picMk id="5" creationId="{C7DAFCD4-749A-4E2A-A4A3-958A5A48DB27}"/>
-          </ac:picMkLst>
-        </pc:picChg>
-      </pc:sldChg>
-      <pc:sldChg chg="modSp new del mod">
-        <pc:chgData name="逸宏" userId="5b6125eb5a4ed5ea" providerId="LiveId" clId="{7391B239-8599-48C3-BB09-833E78728B6B}" dt="2024-10-11T05:08:26.971" v="1323" actId="47"/>
-        <pc:sldMkLst>
-          <pc:docMk/>
-          <pc:sldMk cId="4159144917" sldId="264"/>
-        </pc:sldMkLst>
-        <pc:spChg chg="mod">
-          <ac:chgData name="逸宏" userId="5b6125eb5a4ed5ea" providerId="LiveId" clId="{7391B239-8599-48C3-BB09-833E78728B6B}" dt="2024-10-11T00:59:14.631" v="818"/>
-          <ac:spMkLst>
-            <pc:docMk/>
-            <pc:sldMk cId="4159144917" sldId="264"/>
-            <ac:spMk id="3" creationId="{2BE73894-24E3-4D0E-8318-E5F47635030A}"/>
-          </ac:spMkLst>
-        </pc:spChg>
       </pc:sldChg>
     </pc:docChg>
   </pc:docChgLst>
@@ -2216,7 +2218,7 @@
               <a:rPr lang="zh-TW" altLang="en-US" smtClean="0">
                 <a:ea typeface="標楷體" panose="03000509000000000000" pitchFamily="65" charset="-120"/>
               </a:rPr>
-              <a:t>2024/10/11</a:t>
+              <a:t>2024/10/19</a:t>
             </a:fld>
             <a:endParaRPr lang="zh-TW" altLang="en-US">
               <a:ea typeface="標楷體" panose="03000509000000000000" pitchFamily="65" charset="-120"/>
@@ -2394,7 +2396,7 @@
             <a:fld id="{2CB905C5-9D54-40E2-B40C-7996280CAB02}" type="datetimeFigureOut">
               <a:rPr lang="zh-TW" altLang="en-US" smtClean="0"/>
               <a:pPr/>
-              <a:t>2024/10/11</a:t>
+              <a:t>2024/10/19</a:t>
             </a:fld>
             <a:endParaRPr lang="zh-TW" altLang="en-US"/>
           </a:p>
@@ -2884,7 +2886,7 @@
           <a:p>
             <a:fld id="{0C0CC965-A63A-473D-BEFB-C8F9714D5269}" type="datetimeFigureOut">
               <a:rPr lang="zh-TW" altLang="en-US" smtClean="0"/>
-              <a:t>2024/10/11</a:t>
+              <a:t>2024/10/19</a:t>
             </a:fld>
             <a:endParaRPr lang="zh-TW" altLang="en-US"/>
           </a:p>
@@ -3052,7 +3054,7 @@
           <a:p>
             <a:fld id="{0C0CC965-A63A-473D-BEFB-C8F9714D5269}" type="datetimeFigureOut">
               <a:rPr lang="zh-TW" altLang="en-US" smtClean="0"/>
-              <a:t>2024/10/11</a:t>
+              <a:t>2024/10/19</a:t>
             </a:fld>
             <a:endParaRPr lang="zh-TW" altLang="en-US"/>
           </a:p>
@@ -3230,7 +3232,7 @@
           <a:p>
             <a:fld id="{0C0CC965-A63A-473D-BEFB-C8F9714D5269}" type="datetimeFigureOut">
               <a:rPr lang="zh-TW" altLang="en-US" smtClean="0"/>
-              <a:t>2024/10/11</a:t>
+              <a:t>2024/10/19</a:t>
             </a:fld>
             <a:endParaRPr lang="zh-TW" altLang="en-US"/>
           </a:p>
@@ -3425,7 +3427,7 @@
           <a:p>
             <a:fld id="{0C0CC965-A63A-473D-BEFB-C8F9714D5269}" type="datetimeFigureOut">
               <a:rPr lang="zh-TW" altLang="en-US" smtClean="0"/>
-              <a:t>2024/10/11</a:t>
+              <a:t>2024/10/19</a:t>
             </a:fld>
             <a:endParaRPr lang="zh-TW" altLang="en-US"/>
           </a:p>
@@ -3670,7 +3672,7 @@
           <a:p>
             <a:fld id="{0C0CC965-A63A-473D-BEFB-C8F9714D5269}" type="datetimeFigureOut">
               <a:rPr lang="zh-TW" altLang="en-US" smtClean="0"/>
-              <a:t>2024/10/11</a:t>
+              <a:t>2024/10/19</a:t>
             </a:fld>
             <a:endParaRPr lang="zh-TW" altLang="en-US"/>
           </a:p>
@@ -3899,7 +3901,7 @@
           <a:p>
             <a:fld id="{0C0CC965-A63A-473D-BEFB-C8F9714D5269}" type="datetimeFigureOut">
               <a:rPr lang="zh-TW" altLang="en-US" smtClean="0"/>
-              <a:t>2024/10/11</a:t>
+              <a:t>2024/10/19</a:t>
             </a:fld>
             <a:endParaRPr lang="zh-TW" altLang="en-US"/>
           </a:p>
@@ -4263,7 +4265,7 @@
           <a:p>
             <a:fld id="{0C0CC965-A63A-473D-BEFB-C8F9714D5269}" type="datetimeFigureOut">
               <a:rPr lang="zh-TW" altLang="en-US" smtClean="0"/>
-              <a:t>2024/10/11</a:t>
+              <a:t>2024/10/19</a:t>
             </a:fld>
             <a:endParaRPr lang="zh-TW" altLang="en-US"/>
           </a:p>
@@ -4380,7 +4382,7 @@
           <a:p>
             <a:fld id="{0C0CC965-A63A-473D-BEFB-C8F9714D5269}" type="datetimeFigureOut">
               <a:rPr lang="zh-TW" altLang="en-US" smtClean="0"/>
-              <a:t>2024/10/11</a:t>
+              <a:t>2024/10/19</a:t>
             </a:fld>
             <a:endParaRPr lang="zh-TW" altLang="en-US"/>
           </a:p>
@@ -4475,7 +4477,7 @@
           <a:p>
             <a:fld id="{0C0CC965-A63A-473D-BEFB-C8F9714D5269}" type="datetimeFigureOut">
               <a:rPr lang="zh-TW" altLang="en-US" smtClean="0"/>
-              <a:t>2024/10/11</a:t>
+              <a:t>2024/10/19</a:t>
             </a:fld>
             <a:endParaRPr lang="zh-TW" altLang="en-US"/>
           </a:p>
@@ -4750,7 +4752,7 @@
           <a:p>
             <a:fld id="{0C0CC965-A63A-473D-BEFB-C8F9714D5269}" type="datetimeFigureOut">
               <a:rPr lang="zh-TW" altLang="en-US" smtClean="0"/>
-              <a:t>2024/10/11</a:t>
+              <a:t>2024/10/19</a:t>
             </a:fld>
             <a:endParaRPr lang="zh-TW" altLang="en-US"/>
           </a:p>
@@ -5002,7 +5004,7 @@
           <a:p>
             <a:fld id="{0C0CC965-A63A-473D-BEFB-C8F9714D5269}" type="datetimeFigureOut">
               <a:rPr lang="zh-TW" altLang="en-US" smtClean="0"/>
-              <a:t>2024/10/11</a:t>
+              <a:t>2024/10/19</a:t>
             </a:fld>
             <a:endParaRPr lang="zh-TW" altLang="en-US"/>
           </a:p>
@@ -5216,7 +5218,7 @@
             <a:fld id="{0C0CC965-A63A-473D-BEFB-C8F9714D5269}" type="datetimeFigureOut">
               <a:rPr lang="zh-TW" altLang="en-US" smtClean="0"/>
               <a:pPr/>
-              <a:t>2024/10/11</a:t>
+              <a:t>2024/10/19</a:t>
             </a:fld>
             <a:endParaRPr lang="zh-TW" altLang="en-US"/>
           </a:p>
@@ -6873,6 +6875,444 @@
 </file>
 
 <file path=ppt/slides/slide4.xml><?xml version="1.0" encoding="utf-8"?>
+<p:sld xmlns:a="http://schemas.openxmlformats.org/drawingml/2006/main" xmlns:r="http://schemas.openxmlformats.org/officeDocument/2006/relationships" xmlns:p="http://schemas.openxmlformats.org/presentationml/2006/main">
+  <p:cSld>
+    <p:spTree>
+      <p:nvGrpSpPr>
+        <p:cNvPr id="1" name=""/>
+        <p:cNvGrpSpPr/>
+        <p:nvPr/>
+      </p:nvGrpSpPr>
+      <p:grpSpPr>
+        <a:xfrm>
+          <a:off x="0" y="0"/>
+          <a:ext cx="0" cy="0"/>
+          <a:chOff x="0" y="0"/>
+          <a:chExt cx="0" cy="0"/>
+        </a:xfrm>
+      </p:grpSpPr>
+      <p:pic>
+        <p:nvPicPr>
+          <p:cNvPr id="5" name="內容版面配置區 4">
+            <a:extLst>
+              <a:ext uri="{FF2B5EF4-FFF2-40B4-BE49-F238E27FC236}">
+                <a16:creationId xmlns:a16="http://schemas.microsoft.com/office/drawing/2014/main" id="{BA07C534-5F45-4B8F-915D-CAD4CDA77AAB}"/>
+              </a:ext>
+            </a:extLst>
+          </p:cNvPr>
+          <p:cNvPicPr>
+            <a:picLocks noGrp="1" noChangeAspect="1"/>
+          </p:cNvPicPr>
+          <p:nvPr>
+            <p:ph idx="1"/>
+          </p:nvPr>
+        </p:nvPicPr>
+        <p:blipFill>
+          <a:blip r:embed="rId2"/>
+          <a:stretch>
+            <a:fillRect/>
+          </a:stretch>
+        </p:blipFill>
+        <p:spPr>
+          <a:xfrm>
+            <a:off x="838200" y="1181983"/>
+            <a:ext cx="10515600" cy="1742508"/>
+          </a:xfrm>
+        </p:spPr>
+      </p:pic>
+      <p:sp>
+        <p:nvSpPr>
+          <p:cNvPr id="3" name="標題 2">
+            <a:extLst>
+              <a:ext uri="{FF2B5EF4-FFF2-40B4-BE49-F238E27FC236}">
+                <a16:creationId xmlns:a16="http://schemas.microsoft.com/office/drawing/2014/main" id="{D7E45C96-E4C0-4EC3-9FE6-8045D8C41ACA}"/>
+              </a:ext>
+            </a:extLst>
+          </p:cNvPr>
+          <p:cNvSpPr>
+            <a:spLocks noGrp="1"/>
+          </p:cNvSpPr>
+          <p:nvPr>
+            <p:ph type="title"/>
+          </p:nvPr>
+        </p:nvSpPr>
+        <p:spPr/>
+        <p:txBody>
+          <a:bodyPr/>
+          <a:lstStyle/>
+          <a:p>
+            <a:r>
+              <a:rPr lang="zh-TW" altLang="en-US" dirty="0"/>
+              <a:t>波行模擬與</a:t>
+            </a:r>
+            <a:r>
+              <a:rPr lang="en-US" altLang="zh-TW" dirty="0"/>
+              <a:t>MLC</a:t>
+            </a:r>
+            <a:endParaRPr lang="zh-TW" altLang="en-US" dirty="0"/>
+          </a:p>
+        </p:txBody>
+      </p:sp>
+      <p:pic>
+        <p:nvPicPr>
+          <p:cNvPr id="7" name="圖片 6">
+            <a:extLst>
+              <a:ext uri="{FF2B5EF4-FFF2-40B4-BE49-F238E27FC236}">
+                <a16:creationId xmlns:a16="http://schemas.microsoft.com/office/drawing/2014/main" id="{472E54B0-BA37-45DC-98F6-F16760E6566B}"/>
+              </a:ext>
+            </a:extLst>
+          </p:cNvPr>
+          <p:cNvPicPr>
+            <a:picLocks noChangeAspect="1"/>
+          </p:cNvPicPr>
+          <p:nvPr/>
+        </p:nvPicPr>
+        <p:blipFill>
+          <a:blip r:embed="rId3" cstate="print">
+            <a:extLst>
+              <a:ext uri="{28A0092B-C50C-407E-A947-70E740481C1C}">
+                <a14:useLocalDpi xmlns:a14="http://schemas.microsoft.com/office/drawing/2010/main" val="0"/>
+              </a:ext>
+            </a:extLst>
+          </a:blip>
+          <a:stretch>
+            <a:fillRect/>
+          </a:stretch>
+        </p:blipFill>
+        <p:spPr>
+          <a:xfrm>
+            <a:off x="838200" y="3593626"/>
+            <a:ext cx="8473751" cy="2675775"/>
+          </a:xfrm>
+          <a:prstGeom prst="rect">
+            <a:avLst/>
+          </a:prstGeom>
+        </p:spPr>
+      </p:pic>
+      <p:sp>
+        <p:nvSpPr>
+          <p:cNvPr id="8" name="文字方塊 7">
+            <a:extLst>
+              <a:ext uri="{FF2B5EF4-FFF2-40B4-BE49-F238E27FC236}">
+                <a16:creationId xmlns:a16="http://schemas.microsoft.com/office/drawing/2014/main" id="{9778CE8E-6DCA-4412-A860-15E0CDA34011}"/>
+              </a:ext>
+            </a:extLst>
+          </p:cNvPr>
+          <p:cNvSpPr txBox="1"/>
+          <p:nvPr/>
+        </p:nvSpPr>
+        <p:spPr>
+          <a:xfrm>
+            <a:off x="838200" y="2924491"/>
+            <a:ext cx="10515600" cy="646331"/>
+          </a:xfrm>
+          <a:prstGeom prst="rect">
+            <a:avLst/>
+          </a:prstGeom>
+          <a:noFill/>
+        </p:spPr>
+        <p:txBody>
+          <a:bodyPr wrap="square" rtlCol="0">
+            <a:spAutoFit/>
+          </a:bodyPr>
+          <a:lstStyle/>
+          <a:p>
+            <a:r>
+              <a:rPr lang="zh-TW" altLang="en-US" dirty="0">
+                <a:latin typeface="Times New Roman" panose="02020603050405020304" pitchFamily="18" charset="0"/>
+                <a:ea typeface="標楷體" panose="03000509000000000000" pitchFamily="65" charset="-120"/>
+                <a:cs typeface="Times New Roman" panose="02020603050405020304" pitchFamily="18" charset="0"/>
+              </a:rPr>
+              <a:t>從上圖可以看到</a:t>
+            </a:r>
+            <a:r>
+              <a:rPr lang="en-US" altLang="zh-TW" dirty="0">
+                <a:latin typeface="Times New Roman" panose="02020603050405020304" pitchFamily="18" charset="0"/>
+                <a:ea typeface="標楷體" panose="03000509000000000000" pitchFamily="65" charset="-120"/>
+                <a:cs typeface="Times New Roman" panose="02020603050405020304" pitchFamily="18" charset="0"/>
+              </a:rPr>
+              <a:t>sw1</a:t>
+            </a:r>
+            <a:r>
+              <a:rPr lang="zh-TW" altLang="en-US" dirty="0">
+                <a:latin typeface="Times New Roman" panose="02020603050405020304" pitchFamily="18" charset="0"/>
+                <a:ea typeface="標楷體" panose="03000509000000000000" pitchFamily="65" charset="-120"/>
+                <a:cs typeface="Times New Roman" panose="02020603050405020304" pitchFamily="18" charset="0"/>
+              </a:rPr>
+              <a:t>與</a:t>
+            </a:r>
+            <a:r>
+              <a:rPr lang="en-US" altLang="zh-TW" dirty="0">
+                <a:latin typeface="Times New Roman" panose="02020603050405020304" pitchFamily="18" charset="0"/>
+                <a:ea typeface="標楷體" panose="03000509000000000000" pitchFamily="65" charset="-120"/>
+                <a:cs typeface="Times New Roman" panose="02020603050405020304" pitchFamily="18" charset="0"/>
+              </a:rPr>
+              <a:t>sw2</a:t>
+            </a:r>
+            <a:r>
+              <a:rPr lang="zh-TW" altLang="en-US" dirty="0">
+                <a:latin typeface="Times New Roman" panose="02020603050405020304" pitchFamily="18" charset="0"/>
+                <a:ea typeface="標楷體" panose="03000509000000000000" pitchFamily="65" charset="-120"/>
+                <a:cs typeface="Times New Roman" panose="02020603050405020304" pitchFamily="18" charset="0"/>
+              </a:rPr>
+              <a:t>為一時，</a:t>
+            </a:r>
+            <a:r>
+              <a:rPr lang="en-US" altLang="zh-TW" dirty="0">
+                <a:latin typeface="Times New Roman" panose="02020603050405020304" pitchFamily="18" charset="0"/>
+                <a:ea typeface="標楷體" panose="03000509000000000000" pitchFamily="65" charset="-120"/>
+                <a:cs typeface="Times New Roman" panose="02020603050405020304" pitchFamily="18" charset="0"/>
+              </a:rPr>
+              <a:t>counter1</a:t>
+            </a:r>
+            <a:r>
+              <a:rPr lang="zh-TW" altLang="en-US" dirty="0">
+                <a:latin typeface="Times New Roman" panose="02020603050405020304" pitchFamily="18" charset="0"/>
+                <a:ea typeface="標楷體" panose="03000509000000000000" pitchFamily="65" charset="-120"/>
+                <a:cs typeface="Times New Roman" panose="02020603050405020304" pitchFamily="18" charset="0"/>
+              </a:rPr>
+              <a:t>從</a:t>
+            </a:r>
+            <a:r>
+              <a:rPr lang="en-US" altLang="zh-TW" dirty="0">
+                <a:latin typeface="Times New Roman" panose="02020603050405020304" pitchFamily="18" charset="0"/>
+                <a:ea typeface="標楷體" panose="03000509000000000000" pitchFamily="65" charset="-120"/>
+                <a:cs typeface="Times New Roman" panose="02020603050405020304" pitchFamily="18" charset="0"/>
+              </a:rPr>
+              <a:t>0</a:t>
+            </a:r>
+            <a:r>
+              <a:rPr lang="zh-TW" altLang="en-US" dirty="0">
+                <a:latin typeface="Times New Roman" panose="02020603050405020304" pitchFamily="18" charset="0"/>
+                <a:ea typeface="標楷體" panose="03000509000000000000" pitchFamily="65" charset="-120"/>
+                <a:cs typeface="Times New Roman" panose="02020603050405020304" pitchFamily="18" charset="0"/>
+              </a:rPr>
+              <a:t>數到</a:t>
+            </a:r>
+            <a:r>
+              <a:rPr lang="en-US" altLang="zh-TW" dirty="0">
+                <a:latin typeface="Times New Roman" panose="02020603050405020304" pitchFamily="18" charset="0"/>
+                <a:ea typeface="標楷體" panose="03000509000000000000" pitchFamily="65" charset="-120"/>
+                <a:cs typeface="Times New Roman" panose="02020603050405020304" pitchFamily="18" charset="0"/>
+              </a:rPr>
+              <a:t>c</a:t>
+            </a:r>
+            <a:r>
+              <a:rPr lang="zh-TW" altLang="en-US" dirty="0">
+                <a:latin typeface="Times New Roman" panose="02020603050405020304" pitchFamily="18" charset="0"/>
+                <a:ea typeface="標楷體" panose="03000509000000000000" pitchFamily="65" charset="-120"/>
+                <a:cs typeface="Times New Roman" panose="02020603050405020304" pitchFamily="18" charset="0"/>
+              </a:rPr>
+              <a:t>，下一次也從</a:t>
+            </a:r>
+            <a:r>
+              <a:rPr lang="en-US" altLang="zh-TW" dirty="0">
+                <a:latin typeface="Times New Roman" panose="02020603050405020304" pitchFamily="18" charset="0"/>
+                <a:ea typeface="標楷體" panose="03000509000000000000" pitchFamily="65" charset="-120"/>
+                <a:cs typeface="Times New Roman" panose="02020603050405020304" pitchFamily="18" charset="0"/>
+              </a:rPr>
+              <a:t>3</a:t>
+            </a:r>
+            <a:r>
+              <a:rPr lang="zh-TW" altLang="en-US" dirty="0">
+                <a:latin typeface="Times New Roman" panose="02020603050405020304" pitchFamily="18" charset="0"/>
+                <a:ea typeface="標楷體" panose="03000509000000000000" pitchFamily="65" charset="-120"/>
+                <a:cs typeface="Times New Roman" panose="02020603050405020304" pitchFamily="18" charset="0"/>
+              </a:rPr>
+              <a:t>開始，而</a:t>
+            </a:r>
+            <a:r>
+              <a:rPr lang="en-US" altLang="zh-TW" dirty="0">
+                <a:latin typeface="Times New Roman" panose="02020603050405020304" pitchFamily="18" charset="0"/>
+                <a:ea typeface="標楷體" panose="03000509000000000000" pitchFamily="65" charset="-120"/>
+                <a:cs typeface="Times New Roman" panose="02020603050405020304" pitchFamily="18" charset="0"/>
+              </a:rPr>
+              <a:t>counter2</a:t>
+            </a:r>
+            <a:r>
+              <a:rPr lang="zh-TW" altLang="en-US" dirty="0">
+                <a:latin typeface="Times New Roman" panose="02020603050405020304" pitchFamily="18" charset="0"/>
+                <a:ea typeface="標楷體" panose="03000509000000000000" pitchFamily="65" charset="-120"/>
+                <a:cs typeface="Times New Roman" panose="02020603050405020304" pitchFamily="18" charset="0"/>
+              </a:rPr>
+              <a:t>從</a:t>
+            </a:r>
+            <a:r>
+              <a:rPr lang="en-US" altLang="zh-TW" dirty="0">
+                <a:latin typeface="Times New Roman" panose="02020603050405020304" pitchFamily="18" charset="0"/>
+                <a:ea typeface="標楷體" panose="03000509000000000000" pitchFamily="65" charset="-120"/>
+                <a:cs typeface="Times New Roman" panose="02020603050405020304" pitchFamily="18" charset="0"/>
+              </a:rPr>
+              <a:t>f</a:t>
+            </a:r>
+            <a:r>
+              <a:rPr lang="zh-TW" altLang="en-US" dirty="0">
+                <a:latin typeface="Times New Roman" panose="02020603050405020304" pitchFamily="18" charset="0"/>
+                <a:ea typeface="標楷體" panose="03000509000000000000" pitchFamily="65" charset="-120"/>
+                <a:cs typeface="Times New Roman" panose="02020603050405020304" pitchFamily="18" charset="0"/>
+              </a:rPr>
+              <a:t>數到</a:t>
+            </a:r>
+            <a:r>
+              <a:rPr lang="en-US" altLang="zh-TW" dirty="0">
+                <a:latin typeface="Times New Roman" panose="02020603050405020304" pitchFamily="18" charset="0"/>
+                <a:ea typeface="標楷體" panose="03000509000000000000" pitchFamily="65" charset="-120"/>
+                <a:cs typeface="Times New Roman" panose="02020603050405020304" pitchFamily="18" charset="0"/>
+              </a:rPr>
+              <a:t>c</a:t>
+            </a:r>
+            <a:r>
+              <a:rPr lang="zh-TW" altLang="en-US" dirty="0">
+                <a:latin typeface="Times New Roman" panose="02020603050405020304" pitchFamily="18" charset="0"/>
+                <a:ea typeface="標楷體" panose="03000509000000000000" pitchFamily="65" charset="-120"/>
+                <a:cs typeface="Times New Roman" panose="02020603050405020304" pitchFamily="18" charset="0"/>
+              </a:rPr>
+              <a:t>，下一次從</a:t>
+            </a:r>
+            <a:r>
+              <a:rPr lang="en-US" altLang="zh-TW" dirty="0">
+                <a:latin typeface="Times New Roman" panose="02020603050405020304" pitchFamily="18" charset="0"/>
+                <a:ea typeface="標楷體" panose="03000509000000000000" pitchFamily="65" charset="-120"/>
+                <a:cs typeface="Times New Roman" panose="02020603050405020304" pitchFamily="18" charset="0"/>
+              </a:rPr>
+              <a:t>c</a:t>
+            </a:r>
+            <a:r>
+              <a:rPr lang="zh-TW" altLang="en-US" dirty="0">
+                <a:latin typeface="Times New Roman" panose="02020603050405020304" pitchFamily="18" charset="0"/>
+                <a:ea typeface="標楷體" panose="03000509000000000000" pitchFamily="65" charset="-120"/>
+                <a:cs typeface="Times New Roman" panose="02020603050405020304" pitchFamily="18" charset="0"/>
+              </a:rPr>
+              <a:t>開始遞減</a:t>
+            </a:r>
+            <a:endParaRPr lang="en-US" altLang="zh-TW" dirty="0">
+              <a:latin typeface="Times New Roman" panose="02020603050405020304" pitchFamily="18" charset="0"/>
+              <a:ea typeface="標楷體" panose="03000509000000000000" pitchFamily="65" charset="-120"/>
+              <a:cs typeface="Times New Roman" panose="02020603050405020304" pitchFamily="18" charset="0"/>
+            </a:endParaRPr>
+          </a:p>
+        </p:txBody>
+      </p:sp>
+      <p:sp>
+        <p:nvSpPr>
+          <p:cNvPr id="9" name="矩形 8">
+            <a:extLst>
+              <a:ext uri="{FF2B5EF4-FFF2-40B4-BE49-F238E27FC236}">
+                <a16:creationId xmlns:a16="http://schemas.microsoft.com/office/drawing/2014/main" id="{59B5186A-D302-4686-AF8F-665FAF8AB4AA}"/>
+              </a:ext>
+            </a:extLst>
+          </p:cNvPr>
+          <p:cNvSpPr/>
+          <p:nvPr/>
+        </p:nvSpPr>
+        <p:spPr>
+          <a:xfrm>
+            <a:off x="6755363" y="1866123"/>
+            <a:ext cx="4422710" cy="901960"/>
+          </a:xfrm>
+          <a:prstGeom prst="rect">
+            <a:avLst/>
+          </a:prstGeom>
+          <a:noFill/>
+          <a:ln>
+            <a:solidFill>
+              <a:srgbClr val="FF0000"/>
+            </a:solidFill>
+          </a:ln>
+        </p:spPr>
+        <p:style>
+          <a:lnRef idx="2">
+            <a:schemeClr val="accent1">
+              <a:shade val="50000"/>
+            </a:schemeClr>
+          </a:lnRef>
+          <a:fillRef idx="1">
+            <a:schemeClr val="accent1"/>
+          </a:fillRef>
+          <a:effectRef idx="0">
+            <a:schemeClr val="accent1"/>
+          </a:effectRef>
+          <a:fontRef idx="minor">
+            <a:schemeClr val="lt1"/>
+          </a:fontRef>
+        </p:style>
+        <p:txBody>
+          <a:bodyPr rtlCol="0" anchor="ctr"/>
+          <a:lstStyle/>
+          <a:p>
+            <a:pPr algn="ctr"/>
+            <a:endParaRPr lang="zh-TW" altLang="en-US"/>
+          </a:p>
+        </p:txBody>
+      </p:sp>
+      <p:sp>
+        <p:nvSpPr>
+          <p:cNvPr id="10" name="箭號: 向右 9">
+            <a:extLst>
+              <a:ext uri="{FF2B5EF4-FFF2-40B4-BE49-F238E27FC236}">
+                <a16:creationId xmlns:a16="http://schemas.microsoft.com/office/drawing/2014/main" id="{8CA286DA-5A9A-4E81-9D28-8F9BB94BF453}"/>
+              </a:ext>
+            </a:extLst>
+          </p:cNvPr>
+          <p:cNvSpPr/>
+          <p:nvPr/>
+        </p:nvSpPr>
+        <p:spPr>
+          <a:xfrm>
+            <a:off x="5865845" y="1866123"/>
+            <a:ext cx="845866" cy="460311"/>
+          </a:xfrm>
+          <a:prstGeom prst="rightArrow">
+            <a:avLst/>
+          </a:prstGeom>
+          <a:solidFill>
+            <a:srgbClr val="FF0000"/>
+          </a:solidFill>
+          <a:ln>
+            <a:solidFill>
+              <a:schemeClr val="tx1"/>
+            </a:solidFill>
+          </a:ln>
+        </p:spPr>
+        <p:style>
+          <a:lnRef idx="2">
+            <a:schemeClr val="accent1">
+              <a:shade val="50000"/>
+            </a:schemeClr>
+          </a:lnRef>
+          <a:fillRef idx="1">
+            <a:schemeClr val="accent1"/>
+          </a:fillRef>
+          <a:effectRef idx="0">
+            <a:schemeClr val="accent1"/>
+          </a:effectRef>
+          <a:fontRef idx="minor">
+            <a:schemeClr val="lt1"/>
+          </a:fontRef>
+        </p:style>
+        <p:txBody>
+          <a:bodyPr rtlCol="0" anchor="ctr"/>
+          <a:lstStyle/>
+          <a:p>
+            <a:pPr algn="ctr"/>
+            <a:endParaRPr lang="zh-TW" altLang="en-US"/>
+          </a:p>
+        </p:txBody>
+      </p:sp>
+    </p:spTree>
+    <p:extLst>
+      <p:ext uri="{BB962C8B-B14F-4D97-AF65-F5344CB8AC3E}">
+        <p14:creationId xmlns:p14="http://schemas.microsoft.com/office/powerpoint/2010/main" val="2110983943"/>
+      </p:ext>
+    </p:extLst>
+  </p:cSld>
+  <p:clrMapOvr>
+    <a:masterClrMapping/>
+  </p:clrMapOvr>
+</p:sld>
+</file>
+
+<file path=ppt/slides/slide5.xml><?xml version="1.0" encoding="utf-8"?>
 <p:sld xmlns:a="http://schemas.openxmlformats.org/drawingml/2006/main" xmlns:r="http://schemas.openxmlformats.org/officeDocument/2006/relationships" xmlns:p="http://schemas.openxmlformats.org/presentationml/2006/main">
   <p:cSld>
     <p:spTree>
